--- a/lecture-slides/2019-09-04.pptx
+++ b/lecture-slides/2019-09-04.pptx
@@ -5,15 +5,18 @@
     <p:sldMasterId id="2147483648" r:id="rId1"/>
   </p:sldMasterIdLst>
   <p:notesMasterIdLst>
-    <p:notesMasterId r:id="rId8"/>
+    <p:notesMasterId r:id="rId11"/>
   </p:notesMasterIdLst>
   <p:sldIdLst>
     <p:sldId id="305" r:id="rId2"/>
     <p:sldId id="569" r:id="rId3"/>
-    <p:sldId id="471" r:id="rId4"/>
-    <p:sldId id="318" r:id="rId5"/>
-    <p:sldId id="565" r:id="rId6"/>
-    <p:sldId id="271" r:id="rId7"/>
+    <p:sldId id="574" r:id="rId4"/>
+    <p:sldId id="575" r:id="rId5"/>
+    <p:sldId id="576" r:id="rId6"/>
+    <p:sldId id="568" r:id="rId7"/>
+    <p:sldId id="318" r:id="rId8"/>
+    <p:sldId id="565" r:id="rId9"/>
+    <p:sldId id="271" r:id="rId10"/>
   </p:sldIdLst>
   <p:sldSz cx="12192000" cy="6858000"/>
   <p:notesSz cx="6858000" cy="9144000"/>
@@ -202,7 +205,7 @@
           <a:p>
             <a:fld id="{A677DEB0-5AA4-49C7-B0AD-AD047A002C4C}" type="datetimeFigureOut">
               <a:rPr lang="en-US" smtClean="0"/>
-              <a:t>8/30/2019</a:t>
+              <a:t>9/3/19</a:t>
             </a:fld>
             <a:endParaRPr lang="en-US"/>
           </a:p>
@@ -597,7 +600,7 @@
           <a:bodyPr/>
           <a:lstStyle/>
           <a:p>
-            <a:endParaRPr lang="en-US" dirty="0"/>
+            <a:endParaRPr lang="en-US" sz="1000" dirty="0"/>
           </a:p>
         </p:txBody>
       </p:sp>
@@ -616,18 +619,18 @@
           <a:bodyPr/>
           <a:lstStyle/>
           <a:p>
-            <a:fld id="{23B99BB9-C7F6-43B3-A122-46088ABB36FB}" type="slidenum">
+            <a:fld id="{5394DE12-7B9B-46AA-AC19-C30A49928B9B}" type="slidenum">
               <a:rPr lang="en-US" smtClean="0"/>
               <a:t>3</a:t>
             </a:fld>
-            <a:endParaRPr lang="en-US"/>
+            <a:endParaRPr lang="en-US" dirty="0"/>
           </a:p>
         </p:txBody>
       </p:sp>
     </p:spTree>
     <p:extLst>
       <p:ext uri="{BB962C8B-B14F-4D97-AF65-F5344CB8AC3E}">
-        <p14:creationId xmlns:p14="http://schemas.microsoft.com/office/powerpoint/2010/main" val="1902200623"/>
+        <p14:creationId xmlns:p14="http://schemas.microsoft.com/office/powerpoint/2010/main" val="3137660331"/>
       </p:ext>
     </p:extLst>
   </p:cSld>
@@ -702,7 +705,7 @@
           <a:p>
             <a:fld id="{5394DE12-7B9B-46AA-AC19-C30A49928B9B}" type="slidenum">
               <a:rPr lang="en-US" smtClean="0"/>
-              <a:t>5</a:t>
+              <a:t>4</a:t>
             </a:fld>
             <a:endParaRPr lang="en-US" dirty="0"/>
           </a:p>
@@ -711,7 +714,7 @@
     </p:spTree>
     <p:extLst>
       <p:ext uri="{BB962C8B-B14F-4D97-AF65-F5344CB8AC3E}">
-        <p14:creationId xmlns:p14="http://schemas.microsoft.com/office/powerpoint/2010/main" val="3923728908"/>
+        <p14:creationId xmlns:p14="http://schemas.microsoft.com/office/powerpoint/2010/main" val="3878248095"/>
       </p:ext>
     </p:extLst>
   </p:cSld>
@@ -765,7 +768,91 @@
           <a:bodyPr/>
           <a:lstStyle/>
           <a:p>
+            <a:endParaRPr lang="en-US" sz="1000" dirty="0"/>
+          </a:p>
+        </p:txBody>
+      </p:sp>
+      <p:sp>
+        <p:nvSpPr>
+          <p:cNvPr id="4" name="Slide Number Placeholder 3"/>
+          <p:cNvSpPr>
+            <a:spLocks noGrp="1"/>
+          </p:cNvSpPr>
+          <p:nvPr>
+            <p:ph type="sldNum" sz="quarter" idx="10"/>
+          </p:nvPr>
+        </p:nvSpPr>
+        <p:spPr/>
+        <p:txBody>
+          <a:bodyPr/>
+          <a:lstStyle/>
+          <a:p>
+            <a:fld id="{5394DE12-7B9B-46AA-AC19-C30A49928B9B}" type="slidenum">
+              <a:rPr lang="en-US" smtClean="0"/>
+              <a:t>5</a:t>
+            </a:fld>
             <a:endParaRPr lang="en-US" dirty="0"/>
+          </a:p>
+        </p:txBody>
+      </p:sp>
+    </p:spTree>
+    <p:extLst>
+      <p:ext uri="{BB962C8B-B14F-4D97-AF65-F5344CB8AC3E}">
+        <p14:creationId xmlns:p14="http://schemas.microsoft.com/office/powerpoint/2010/main" val="1868230516"/>
+      </p:ext>
+    </p:extLst>
+  </p:cSld>
+  <p:clrMapOvr>
+    <a:masterClrMapping/>
+  </p:clrMapOvr>
+</p:notes>
+</file>
+
+<file path=ppt/notesSlides/notesSlide5.xml><?xml version="1.0" encoding="utf-8"?>
+<p:notes xmlns:a="http://schemas.openxmlformats.org/drawingml/2006/main" xmlns:r="http://schemas.openxmlformats.org/officeDocument/2006/relationships" xmlns:p="http://schemas.openxmlformats.org/presentationml/2006/main">
+  <p:cSld>
+    <p:spTree>
+      <p:nvGrpSpPr>
+        <p:cNvPr id="1" name=""/>
+        <p:cNvGrpSpPr/>
+        <p:nvPr/>
+      </p:nvGrpSpPr>
+      <p:grpSpPr>
+        <a:xfrm>
+          <a:off x="0" y="0"/>
+          <a:ext cx="0" cy="0"/>
+          <a:chOff x="0" y="0"/>
+          <a:chExt cx="0" cy="0"/>
+        </a:xfrm>
+      </p:grpSpPr>
+      <p:sp>
+        <p:nvSpPr>
+          <p:cNvPr id="2" name="Slide Image Placeholder 1"/>
+          <p:cNvSpPr>
+            <a:spLocks noGrp="1" noRot="1" noChangeAspect="1"/>
+          </p:cNvSpPr>
+          <p:nvPr>
+            <p:ph type="sldImg"/>
+          </p:nvPr>
+        </p:nvSpPr>
+        <p:spPr/>
+      </p:sp>
+      <p:sp>
+        <p:nvSpPr>
+          <p:cNvPr id="3" name="Notes Placeholder 2"/>
+          <p:cNvSpPr>
+            <a:spLocks noGrp="1"/>
+          </p:cNvSpPr>
+          <p:nvPr>
+            <p:ph type="body" idx="1"/>
+          </p:nvPr>
+        </p:nvSpPr>
+        <p:spPr/>
+        <p:txBody>
+          <a:bodyPr/>
+          <a:lstStyle/>
+          <a:p>
+            <a:endParaRPr lang="en-US" sz="1000" dirty="0"/>
           </a:p>
         </p:txBody>
       </p:sp>
@@ -787,6 +874,174 @@
             <a:fld id="{5394DE12-7B9B-46AA-AC19-C30A49928B9B}" type="slidenum">
               <a:rPr lang="en-US" smtClean="0"/>
               <a:t>6</a:t>
+            </a:fld>
+            <a:endParaRPr lang="en-US" dirty="0"/>
+          </a:p>
+        </p:txBody>
+      </p:sp>
+    </p:spTree>
+    <p:extLst>
+      <p:ext uri="{BB962C8B-B14F-4D97-AF65-F5344CB8AC3E}">
+        <p14:creationId xmlns:p14="http://schemas.microsoft.com/office/powerpoint/2010/main" val="2185891368"/>
+      </p:ext>
+    </p:extLst>
+  </p:cSld>
+  <p:clrMapOvr>
+    <a:masterClrMapping/>
+  </p:clrMapOvr>
+</p:notes>
+</file>
+
+<file path=ppt/notesSlides/notesSlide6.xml><?xml version="1.0" encoding="utf-8"?>
+<p:notes xmlns:a="http://schemas.openxmlformats.org/drawingml/2006/main" xmlns:r="http://schemas.openxmlformats.org/officeDocument/2006/relationships" xmlns:p="http://schemas.openxmlformats.org/presentationml/2006/main">
+  <p:cSld>
+    <p:spTree>
+      <p:nvGrpSpPr>
+        <p:cNvPr id="1" name=""/>
+        <p:cNvGrpSpPr/>
+        <p:nvPr/>
+      </p:nvGrpSpPr>
+      <p:grpSpPr>
+        <a:xfrm>
+          <a:off x="0" y="0"/>
+          <a:ext cx="0" cy="0"/>
+          <a:chOff x="0" y="0"/>
+          <a:chExt cx="0" cy="0"/>
+        </a:xfrm>
+      </p:grpSpPr>
+      <p:sp>
+        <p:nvSpPr>
+          <p:cNvPr id="2" name="Slide Image Placeholder 1"/>
+          <p:cNvSpPr>
+            <a:spLocks noGrp="1" noRot="1" noChangeAspect="1"/>
+          </p:cNvSpPr>
+          <p:nvPr>
+            <p:ph type="sldImg"/>
+          </p:nvPr>
+        </p:nvSpPr>
+        <p:spPr/>
+      </p:sp>
+      <p:sp>
+        <p:nvSpPr>
+          <p:cNvPr id="3" name="Notes Placeholder 2"/>
+          <p:cNvSpPr>
+            <a:spLocks noGrp="1"/>
+          </p:cNvSpPr>
+          <p:nvPr>
+            <p:ph type="body" idx="1"/>
+          </p:nvPr>
+        </p:nvSpPr>
+        <p:spPr/>
+        <p:txBody>
+          <a:bodyPr/>
+          <a:lstStyle/>
+          <a:p>
+            <a:endParaRPr lang="en-US" sz="1000" dirty="0"/>
+          </a:p>
+        </p:txBody>
+      </p:sp>
+      <p:sp>
+        <p:nvSpPr>
+          <p:cNvPr id="4" name="Slide Number Placeholder 3"/>
+          <p:cNvSpPr>
+            <a:spLocks noGrp="1"/>
+          </p:cNvSpPr>
+          <p:nvPr>
+            <p:ph type="sldNum" sz="quarter" idx="10"/>
+          </p:nvPr>
+        </p:nvSpPr>
+        <p:spPr/>
+        <p:txBody>
+          <a:bodyPr/>
+          <a:lstStyle/>
+          <a:p>
+            <a:fld id="{5394DE12-7B9B-46AA-AC19-C30A49928B9B}" type="slidenum">
+              <a:rPr lang="en-US" smtClean="0"/>
+              <a:t>8</a:t>
+            </a:fld>
+            <a:endParaRPr lang="en-US" dirty="0"/>
+          </a:p>
+        </p:txBody>
+      </p:sp>
+    </p:spTree>
+    <p:extLst>
+      <p:ext uri="{BB962C8B-B14F-4D97-AF65-F5344CB8AC3E}">
+        <p14:creationId xmlns:p14="http://schemas.microsoft.com/office/powerpoint/2010/main" val="3923728908"/>
+      </p:ext>
+    </p:extLst>
+  </p:cSld>
+  <p:clrMapOvr>
+    <a:masterClrMapping/>
+  </p:clrMapOvr>
+</p:notes>
+</file>
+
+<file path=ppt/notesSlides/notesSlide7.xml><?xml version="1.0" encoding="utf-8"?>
+<p:notes xmlns:a="http://schemas.openxmlformats.org/drawingml/2006/main" xmlns:r="http://schemas.openxmlformats.org/officeDocument/2006/relationships" xmlns:p="http://schemas.openxmlformats.org/presentationml/2006/main">
+  <p:cSld>
+    <p:spTree>
+      <p:nvGrpSpPr>
+        <p:cNvPr id="1" name=""/>
+        <p:cNvGrpSpPr/>
+        <p:nvPr/>
+      </p:nvGrpSpPr>
+      <p:grpSpPr>
+        <a:xfrm>
+          <a:off x="0" y="0"/>
+          <a:ext cx="0" cy="0"/>
+          <a:chOff x="0" y="0"/>
+          <a:chExt cx="0" cy="0"/>
+        </a:xfrm>
+      </p:grpSpPr>
+      <p:sp>
+        <p:nvSpPr>
+          <p:cNvPr id="2" name="Slide Image Placeholder 1"/>
+          <p:cNvSpPr>
+            <a:spLocks noGrp="1" noRot="1" noChangeAspect="1"/>
+          </p:cNvSpPr>
+          <p:nvPr>
+            <p:ph type="sldImg"/>
+          </p:nvPr>
+        </p:nvSpPr>
+        <p:spPr/>
+      </p:sp>
+      <p:sp>
+        <p:nvSpPr>
+          <p:cNvPr id="3" name="Notes Placeholder 2"/>
+          <p:cNvSpPr>
+            <a:spLocks noGrp="1"/>
+          </p:cNvSpPr>
+          <p:nvPr>
+            <p:ph type="body" idx="1"/>
+          </p:nvPr>
+        </p:nvSpPr>
+        <p:spPr/>
+        <p:txBody>
+          <a:bodyPr/>
+          <a:lstStyle/>
+          <a:p>
+            <a:endParaRPr lang="en-US" dirty="0"/>
+          </a:p>
+        </p:txBody>
+      </p:sp>
+      <p:sp>
+        <p:nvSpPr>
+          <p:cNvPr id="4" name="Slide Number Placeholder 3"/>
+          <p:cNvSpPr>
+            <a:spLocks noGrp="1"/>
+          </p:cNvSpPr>
+          <p:nvPr>
+            <p:ph type="sldNum" sz="quarter" idx="10"/>
+          </p:nvPr>
+        </p:nvSpPr>
+        <p:spPr/>
+        <p:txBody>
+          <a:bodyPr/>
+          <a:lstStyle/>
+          <a:p>
+            <a:fld id="{5394DE12-7B9B-46AA-AC19-C30A49928B9B}" type="slidenum">
+              <a:rPr lang="en-US" smtClean="0"/>
+              <a:t>9</a:t>
             </a:fld>
             <a:endParaRPr lang="en-US" dirty="0"/>
           </a:p>
@@ -952,7 +1207,7 @@
           <a:p>
             <a:fld id="{1B52E0E1-344B-4E26-B5AD-CE86AB802485}" type="datetimeFigureOut">
               <a:rPr lang="en-US" smtClean="0"/>
-              <a:t>8/30/2019</a:t>
+              <a:t>9/3/19</a:t>
             </a:fld>
             <a:endParaRPr lang="en-US"/>
           </a:p>
@@ -1150,7 +1405,7 @@
           <a:p>
             <a:fld id="{1B52E0E1-344B-4E26-B5AD-CE86AB802485}" type="datetimeFigureOut">
               <a:rPr lang="en-US" smtClean="0"/>
-              <a:t>8/30/2019</a:t>
+              <a:t>9/3/19</a:t>
             </a:fld>
             <a:endParaRPr lang="en-US"/>
           </a:p>
@@ -1358,7 +1613,7 @@
           <a:p>
             <a:fld id="{1B52E0E1-344B-4E26-B5AD-CE86AB802485}" type="datetimeFigureOut">
               <a:rPr lang="en-US" smtClean="0"/>
-              <a:t>8/30/2019</a:t>
+              <a:t>9/3/19</a:t>
             </a:fld>
             <a:endParaRPr lang="en-US"/>
           </a:p>
@@ -1556,7 +1811,7 @@
           <a:p>
             <a:fld id="{1B52E0E1-344B-4E26-B5AD-CE86AB802485}" type="datetimeFigureOut">
               <a:rPr lang="en-US" smtClean="0"/>
-              <a:t>8/30/2019</a:t>
+              <a:t>9/3/19</a:t>
             </a:fld>
             <a:endParaRPr lang="en-US"/>
           </a:p>
@@ -1831,7 +2086,7 @@
           <a:p>
             <a:fld id="{1B52E0E1-344B-4E26-B5AD-CE86AB802485}" type="datetimeFigureOut">
               <a:rPr lang="en-US" smtClean="0"/>
-              <a:t>8/30/2019</a:t>
+              <a:t>9/3/19</a:t>
             </a:fld>
             <a:endParaRPr lang="en-US"/>
           </a:p>
@@ -2096,7 +2351,7 @@
           <a:p>
             <a:fld id="{1B52E0E1-344B-4E26-B5AD-CE86AB802485}" type="datetimeFigureOut">
               <a:rPr lang="en-US" smtClean="0"/>
-              <a:t>8/30/2019</a:t>
+              <a:t>9/3/19</a:t>
             </a:fld>
             <a:endParaRPr lang="en-US"/>
           </a:p>
@@ -2508,7 +2763,7 @@
           <a:p>
             <a:fld id="{1B52E0E1-344B-4E26-B5AD-CE86AB802485}" type="datetimeFigureOut">
               <a:rPr lang="en-US" smtClean="0"/>
-              <a:t>8/30/2019</a:t>
+              <a:t>9/3/19</a:t>
             </a:fld>
             <a:endParaRPr lang="en-US"/>
           </a:p>
@@ -2649,7 +2904,7 @@
           <a:p>
             <a:fld id="{1B52E0E1-344B-4E26-B5AD-CE86AB802485}" type="datetimeFigureOut">
               <a:rPr lang="en-US" smtClean="0"/>
-              <a:t>8/30/2019</a:t>
+              <a:t>9/3/19</a:t>
             </a:fld>
             <a:endParaRPr lang="en-US"/>
           </a:p>
@@ -2762,7 +3017,7 @@
           <a:p>
             <a:fld id="{1B52E0E1-344B-4E26-B5AD-CE86AB802485}" type="datetimeFigureOut">
               <a:rPr lang="en-US" smtClean="0"/>
-              <a:t>8/30/2019</a:t>
+              <a:t>9/3/19</a:t>
             </a:fld>
             <a:endParaRPr lang="en-US"/>
           </a:p>
@@ -3073,7 +3328,7 @@
           <a:p>
             <a:fld id="{1B52E0E1-344B-4E26-B5AD-CE86AB802485}" type="datetimeFigureOut">
               <a:rPr lang="en-US" smtClean="0"/>
-              <a:t>8/30/2019</a:t>
+              <a:t>9/3/19</a:t>
             </a:fld>
             <a:endParaRPr lang="en-US"/>
           </a:p>
@@ -3361,7 +3616,7 @@
           <a:p>
             <a:fld id="{1B52E0E1-344B-4E26-B5AD-CE86AB802485}" type="datetimeFigureOut">
               <a:rPr lang="en-US" smtClean="0"/>
-              <a:t>8/30/2019</a:t>
+              <a:t>9/3/19</a:t>
             </a:fld>
             <a:endParaRPr lang="en-US"/>
           </a:p>
@@ -3602,7 +3857,7 @@
           <a:p>
             <a:fld id="{1B52E0E1-344B-4E26-B5AD-CE86AB802485}" type="datetimeFigureOut">
               <a:rPr lang="en-US" smtClean="0"/>
-              <a:t>8/30/2019</a:t>
+              <a:t>9/3/19</a:t>
             </a:fld>
             <a:endParaRPr lang="en-US"/>
           </a:p>
@@ -4092,7 +4347,7 @@
         </p:spPr>
         <p:txBody>
           <a:bodyPr>
-            <a:normAutofit/>
+            <a:normAutofit lnSpcReduction="10000"/>
           </a:bodyPr>
           <a:lstStyle/>
           <a:p>
@@ -4129,7 +4384,7 @@
             </a:pPr>
             <a:r>
               <a:rPr lang="en-US" sz="2200" dirty="0"/>
-              <a:t>Friendly Conversation Topic – One or Two Spaces after a Period?</a:t>
+              <a:t>Friendly Conversation Topic – Source Code Snippets in VS Code</a:t>
             </a:r>
           </a:p>
           <a:p>
@@ -4139,7 +4394,27 @@
             </a:pPr>
             <a:r>
               <a:rPr lang="en-US" sz="2200" dirty="0"/>
-              <a:t>Q&amp;A (or Final Review): Object-Oriented Programming Concepts and Practices</a:t>
+              <a:t>Q&amp;A: Object-Oriented Programming Concepts and Practices</a:t>
+            </a:r>
+          </a:p>
+          <a:p>
+            <a:pPr marL="457200" indent="-457200">
+              <a:buFont typeface="+mj-lt"/>
+              <a:buAutoNum type="arabicPeriod"/>
+            </a:pPr>
+            <a:r>
+              <a:rPr lang="en-US" sz="2200" dirty="0"/>
+              <a:t>Q&amp;A: OOP Patterns</a:t>
+            </a:r>
+          </a:p>
+          <a:p>
+            <a:pPr marL="457200" indent="-457200">
+              <a:buFont typeface="+mj-lt"/>
+              <a:buAutoNum type="arabicPeriod"/>
+            </a:pPr>
+            <a:r>
+              <a:rPr lang="en-US" sz="2200" dirty="0"/>
+              <a:t>Discussion: Git &amp; GitHub</a:t>
             </a:r>
           </a:p>
           <a:p>
@@ -4298,10 +4573,10 @@
       </p:sp>
       <p:sp>
         <p:nvSpPr>
-          <p:cNvPr id="3" name="Content Placeholder 2">
-            <a:extLst>
-              <a:ext uri="{FF2B5EF4-FFF2-40B4-BE49-F238E27FC236}">
-                <a16:creationId xmlns:a16="http://schemas.microsoft.com/office/drawing/2014/main" id="{72EF5DE0-5958-4171-A9E3-3D288A31AC3F}"/>
+          <p:cNvPr id="6" name="Content Placeholder 2">
+            <a:extLst>
+              <a:ext uri="{FF2B5EF4-FFF2-40B4-BE49-F238E27FC236}">
+                <a16:creationId xmlns:a16="http://schemas.microsoft.com/office/drawing/2014/main" id="{EF0CCFEB-22C1-494E-8958-99AB2B38C40C}"/>
               </a:ext>
             </a:extLst>
           </p:cNvPr>
@@ -4329,11 +4604,22 @@
             </a:pPr>
             <a:r>
               <a:rPr lang="en-US" sz="2000" dirty="0"/>
-              <a:t>Complete Activity List items though 13 plus </a:t>
-            </a:r>
-            <a:r>
-              <a:rPr lang="en-US" sz="2000" u="sng" dirty="0"/>
-              <a:t>complete “version 1” of  Programming Assignment 1</a:t>
+              <a:t>Complete all Activity List items though 14</a:t>
+            </a:r>
+          </a:p>
+          <a:p>
+            <a:pPr marL="0" indent="0">
+              <a:buNone/>
+            </a:pPr>
+            <a:endParaRPr lang="en-US" sz="2000" dirty="0"/>
+          </a:p>
+          <a:p>
+            <a:pPr marL="0" indent="0">
+              <a:buNone/>
+            </a:pPr>
+            <a:r>
+              <a:rPr lang="en-US" sz="2000" dirty="0"/>
+              <a:t>Be completely comfortable with your ability to complete Activity List items 15 &amp; 16 this sprint</a:t>
             </a:r>
           </a:p>
           <a:p>
@@ -4394,96 +4680,44 @@
       </p:grpSpPr>
       <p:sp>
         <p:nvSpPr>
-          <p:cNvPr id="4" name="Title 1">
-            <a:extLst>
-              <a:ext uri="{FF2B5EF4-FFF2-40B4-BE49-F238E27FC236}">
-                <a16:creationId xmlns:a16="http://schemas.microsoft.com/office/drawing/2014/main" id="{527CE47F-3EF6-48CA-9239-E8B6E5C6B41A}"/>
-              </a:ext>
-            </a:extLst>
-          </p:cNvPr>
-          <p:cNvSpPr>
-            <a:spLocks noGrp="1"/>
-          </p:cNvSpPr>
-          <p:nvPr>
-            <p:ph type="title"/>
+          <p:cNvPr id="2" name="Title 1"/>
+          <p:cNvSpPr>
+            <a:spLocks noGrp="1"/>
+          </p:cNvSpPr>
+          <p:nvPr>
+            <p:ph type="ctrTitle"/>
           </p:nvPr>
         </p:nvSpPr>
         <p:spPr>
           <a:xfrm>
-            <a:off x="838200" y="365125"/>
-            <a:ext cx="10515600" cy="1325563"/>
+            <a:off x="1524000" y="3025490"/>
+            <a:ext cx="9144000" cy="807019"/>
           </a:xfrm>
         </p:spPr>
         <p:txBody>
-          <a:bodyPr>
-            <a:normAutofit/>
+          <a:bodyPr anchor="ctr">
+            <a:normAutofit fontScale="90000"/>
           </a:bodyPr>
           <a:lstStyle/>
           <a:p>
-            <a:pPr>
-              <a:spcAft>
-                <a:spcPts val="600"/>
-              </a:spcAft>
-            </a:pPr>
-            <a:r>
-              <a:rPr lang="en-US" sz="3600" dirty="0"/>
-              <a:t>And Only One Space After a Period</a:t>
-            </a:r>
-          </a:p>
-        </p:txBody>
-      </p:sp>
-      <p:sp>
-        <p:nvSpPr>
-          <p:cNvPr id="5" name="Content Placeholder 2">
-            <a:extLst>
-              <a:ext uri="{FF2B5EF4-FFF2-40B4-BE49-F238E27FC236}">
-                <a16:creationId xmlns:a16="http://schemas.microsoft.com/office/drawing/2014/main" id="{E8F0EA9A-219C-40FD-AE36-784EE1B77D56}"/>
-              </a:ext>
-            </a:extLst>
-          </p:cNvPr>
-          <p:cNvSpPr>
-            <a:spLocks noGrp="1"/>
-          </p:cNvSpPr>
-          <p:nvPr>
-            <p:ph idx="1"/>
-          </p:nvPr>
-        </p:nvSpPr>
-        <p:spPr>
-          <a:xfrm>
-            <a:off x="838198" y="1690688"/>
-            <a:ext cx="10515599" cy="5075871"/>
-          </a:xfrm>
-        </p:spPr>
-        <p:txBody>
-          <a:bodyPr>
-            <a:normAutofit/>
-          </a:bodyPr>
-          <a:lstStyle/>
-          <a:p>
-            <a:pPr marL="0" indent="0">
-              <a:spcAft>
-                <a:spcPts val="600"/>
-              </a:spcAft>
-              <a:buNone/>
-            </a:pPr>
-            <a:r>
-              <a:rPr lang="en-US" sz="2000" dirty="0"/>
-              <a:t>Rule: Utilize one space after a period or similar punctuation </a:t>
-            </a:r>
-            <a:r>
-              <a:rPr lang="en-US" sz="2000" dirty="0">
-                <a:hlinkClick r:id="rId3"/>
-              </a:rPr>
-              <a:t>[link]</a:t>
-            </a:r>
-            <a:endParaRPr lang="en-US" sz="2000" dirty="0"/>
+            <a:r>
+              <a:rPr lang="en-US" sz="4800" dirty="0"/>
+              <a:t>Friendly Conversation Topic – </a:t>
+            </a:r>
+            <a:br>
+              <a:rPr lang="en-US" sz="4800" dirty="0"/>
+            </a:br>
+            <a:r>
+              <a:rPr lang="en-US" sz="4800" dirty="0"/>
+              <a:t>Source Code Snippets in VS Code</a:t>
+            </a:r>
           </a:p>
         </p:txBody>
       </p:sp>
     </p:spTree>
     <p:extLst>
       <p:ext uri="{BB962C8B-B14F-4D97-AF65-F5344CB8AC3E}">
-        <p14:creationId xmlns:p14="http://schemas.microsoft.com/office/powerpoint/2010/main" val="751621317"/>
+        <p14:creationId xmlns:p14="http://schemas.microsoft.com/office/powerpoint/2010/main" val="3113491839"/>
       </p:ext>
     </p:extLst>
   </p:cSld>
@@ -4512,113 +4746,37 @@
       </p:grpSpPr>
       <p:sp>
         <p:nvSpPr>
-          <p:cNvPr id="2" name="Title 1">
-            <a:extLst>
-              <a:ext uri="{FF2B5EF4-FFF2-40B4-BE49-F238E27FC236}">
-                <a16:creationId xmlns:a16="http://schemas.microsoft.com/office/drawing/2014/main" id="{2A5755BE-860E-40EB-ADA6-6E82BCB49EC3}"/>
-              </a:ext>
-            </a:extLst>
-          </p:cNvPr>
-          <p:cNvSpPr>
-            <a:spLocks noGrp="1"/>
-          </p:cNvSpPr>
-          <p:nvPr>
-            <p:ph type="title"/>
-          </p:nvPr>
-        </p:nvSpPr>
-        <p:spPr/>
-        <p:txBody>
-          <a:bodyPr/>
-          <a:lstStyle/>
-          <a:p>
-            <a:r>
-              <a:rPr lang="en-US" dirty="0"/>
-              <a:t>Assignment for Next Class</a:t>
-            </a:r>
-          </a:p>
-        </p:txBody>
-      </p:sp>
-      <p:sp>
-        <p:nvSpPr>
-          <p:cNvPr id="3" name="Content Placeholder 2">
-            <a:extLst>
-              <a:ext uri="{FF2B5EF4-FFF2-40B4-BE49-F238E27FC236}">
-                <a16:creationId xmlns:a16="http://schemas.microsoft.com/office/drawing/2014/main" id="{72EF5DE0-5958-4171-A9E3-3D288A31AC3F}"/>
-              </a:ext>
-            </a:extLst>
-          </p:cNvPr>
-          <p:cNvSpPr>
-            <a:spLocks noGrp="1"/>
-          </p:cNvSpPr>
-          <p:nvPr>
-            <p:ph idx="1"/>
+          <p:cNvPr id="2" name="Title 1"/>
+          <p:cNvSpPr>
+            <a:spLocks noGrp="1"/>
+          </p:cNvSpPr>
+          <p:nvPr>
+            <p:ph type="ctrTitle"/>
           </p:nvPr>
         </p:nvSpPr>
         <p:spPr>
           <a:xfrm>
-            <a:off x="838200" y="1654444"/>
-            <a:ext cx="10515600" cy="4522519"/>
+            <a:off x="1524000" y="3025490"/>
+            <a:ext cx="9144000" cy="807019"/>
           </a:xfrm>
         </p:spPr>
         <p:txBody>
-          <a:bodyPr>
+          <a:bodyPr anchor="ctr">
             <a:normAutofit/>
           </a:bodyPr>
           <a:lstStyle/>
           <a:p>
-            <a:pPr marL="0" indent="0">
-              <a:buNone/>
-            </a:pPr>
-            <a:r>
-              <a:rPr lang="en-US" sz="2000" dirty="0"/>
-              <a:t>Complete all Activity List items though 14</a:t>
-            </a:r>
-          </a:p>
-          <a:p>
-            <a:pPr marL="0" indent="0">
-              <a:buNone/>
-            </a:pPr>
-            <a:endParaRPr lang="en-US" sz="2000" dirty="0"/>
-          </a:p>
-          <a:p>
-            <a:pPr marL="0" indent="0">
-              <a:buNone/>
-            </a:pPr>
-            <a:r>
-              <a:rPr lang="en-US" sz="2000" dirty="0"/>
-              <a:t>Be completely comfortable with your ability to complete Activity List items 15 &amp; 16 this sprint</a:t>
-            </a:r>
-          </a:p>
-          <a:p>
-            <a:pPr marL="0" indent="0">
-              <a:buNone/>
-            </a:pPr>
-            <a:endParaRPr lang="en-US" sz="2000" dirty="0"/>
-          </a:p>
-          <a:p>
-            <a:pPr marL="0" indent="0">
-              <a:buNone/>
-            </a:pPr>
-            <a:r>
-              <a:rPr lang="en-US" sz="2000" dirty="0"/>
-              <a:t>Take your name tags with you and bring them back to class through the end of Sprint 2</a:t>
-            </a:r>
-          </a:p>
-          <a:p>
-            <a:pPr marL="0" indent="0">
-              <a:buNone/>
-            </a:pPr>
-            <a:endParaRPr lang="en-US" sz="1800" dirty="0"/>
-          </a:p>
-          <a:p>
-            <a:endParaRPr lang="en-US" dirty="0"/>
+            <a:r>
+              <a:rPr lang="en-US" sz="4800" dirty="0"/>
+              <a:t>Q&amp;A: Concepts &amp; Practices</a:t>
+            </a:r>
           </a:p>
         </p:txBody>
       </p:sp>
     </p:spTree>
     <p:extLst>
       <p:ext uri="{BB962C8B-B14F-4D97-AF65-F5344CB8AC3E}">
-        <p14:creationId xmlns:p14="http://schemas.microsoft.com/office/powerpoint/2010/main" val="3934992363"/>
+        <p14:creationId xmlns:p14="http://schemas.microsoft.com/office/powerpoint/2010/main" val="3975331637"/>
       </p:ext>
     </p:extLst>
   </p:cSld>
@@ -4652,6 +4810,265 @@
             <a:spLocks noGrp="1"/>
           </p:cNvSpPr>
           <p:nvPr>
+            <p:ph type="ctrTitle"/>
+          </p:nvPr>
+        </p:nvSpPr>
+        <p:spPr>
+          <a:xfrm>
+            <a:off x="1524000" y="3025490"/>
+            <a:ext cx="9144000" cy="807019"/>
+          </a:xfrm>
+        </p:spPr>
+        <p:txBody>
+          <a:bodyPr anchor="ctr">
+            <a:normAutofit/>
+          </a:bodyPr>
+          <a:lstStyle/>
+          <a:p>
+            <a:r>
+              <a:rPr lang="en-US" sz="4800" dirty="0"/>
+              <a:t>Q&amp;A: OOP Patterns</a:t>
+            </a:r>
+          </a:p>
+        </p:txBody>
+      </p:sp>
+    </p:spTree>
+    <p:extLst>
+      <p:ext uri="{BB962C8B-B14F-4D97-AF65-F5344CB8AC3E}">
+        <p14:creationId xmlns:p14="http://schemas.microsoft.com/office/powerpoint/2010/main" val="1022670605"/>
+      </p:ext>
+    </p:extLst>
+  </p:cSld>
+  <p:clrMapOvr>
+    <a:masterClrMapping/>
+  </p:clrMapOvr>
+</p:sld>
+</file>
+
+<file path=ppt/slides/slide6.xml><?xml version="1.0" encoding="utf-8"?>
+<p:sld xmlns:a="http://schemas.openxmlformats.org/drawingml/2006/main" xmlns:r="http://schemas.openxmlformats.org/officeDocument/2006/relationships" xmlns:p="http://schemas.openxmlformats.org/presentationml/2006/main">
+  <p:cSld>
+    <p:spTree>
+      <p:nvGrpSpPr>
+        <p:cNvPr id="1" name=""/>
+        <p:cNvGrpSpPr/>
+        <p:nvPr/>
+      </p:nvGrpSpPr>
+      <p:grpSpPr>
+        <a:xfrm>
+          <a:off x="0" y="0"/>
+          <a:ext cx="0" cy="0"/>
+          <a:chOff x="0" y="0"/>
+          <a:chExt cx="0" cy="0"/>
+        </a:xfrm>
+      </p:grpSpPr>
+      <p:sp>
+        <p:nvSpPr>
+          <p:cNvPr id="2" name="Title 1"/>
+          <p:cNvSpPr>
+            <a:spLocks noGrp="1"/>
+          </p:cNvSpPr>
+          <p:nvPr>
+            <p:ph type="ctrTitle"/>
+          </p:nvPr>
+        </p:nvSpPr>
+        <p:spPr>
+          <a:xfrm>
+            <a:off x="1524000" y="3025490"/>
+            <a:ext cx="9144000" cy="807019"/>
+          </a:xfrm>
+        </p:spPr>
+        <p:txBody>
+          <a:bodyPr anchor="ctr">
+            <a:normAutofit/>
+          </a:bodyPr>
+          <a:lstStyle/>
+          <a:p>
+            <a:r>
+              <a:rPr lang="en-US" sz="4800" dirty="0"/>
+              <a:t>Discussion: Git &amp; GitHub</a:t>
+            </a:r>
+          </a:p>
+        </p:txBody>
+      </p:sp>
+    </p:spTree>
+    <p:extLst>
+      <p:ext uri="{BB962C8B-B14F-4D97-AF65-F5344CB8AC3E}">
+        <p14:creationId xmlns:p14="http://schemas.microsoft.com/office/powerpoint/2010/main" val="753732512"/>
+      </p:ext>
+    </p:extLst>
+  </p:cSld>
+  <p:clrMapOvr>
+    <a:masterClrMapping/>
+  </p:clrMapOvr>
+</p:sld>
+</file>
+
+<file path=ppt/slides/slide7.xml><?xml version="1.0" encoding="utf-8"?>
+<p:sld xmlns:a="http://schemas.openxmlformats.org/drawingml/2006/main" xmlns:r="http://schemas.openxmlformats.org/officeDocument/2006/relationships" xmlns:p="http://schemas.openxmlformats.org/presentationml/2006/main">
+  <p:cSld>
+    <p:spTree>
+      <p:nvGrpSpPr>
+        <p:cNvPr id="1" name=""/>
+        <p:cNvGrpSpPr/>
+        <p:nvPr/>
+      </p:nvGrpSpPr>
+      <p:grpSpPr>
+        <a:xfrm>
+          <a:off x="0" y="0"/>
+          <a:ext cx="0" cy="0"/>
+          <a:chOff x="0" y="0"/>
+          <a:chExt cx="0" cy="0"/>
+        </a:xfrm>
+      </p:grpSpPr>
+      <p:sp>
+        <p:nvSpPr>
+          <p:cNvPr id="2" name="Title 1">
+            <a:extLst>
+              <a:ext uri="{FF2B5EF4-FFF2-40B4-BE49-F238E27FC236}">
+                <a16:creationId xmlns:a16="http://schemas.microsoft.com/office/drawing/2014/main" id="{2A5755BE-860E-40EB-ADA6-6E82BCB49EC3}"/>
+              </a:ext>
+            </a:extLst>
+          </p:cNvPr>
+          <p:cNvSpPr>
+            <a:spLocks noGrp="1"/>
+          </p:cNvSpPr>
+          <p:nvPr>
+            <p:ph type="title"/>
+          </p:nvPr>
+        </p:nvSpPr>
+        <p:spPr/>
+        <p:txBody>
+          <a:bodyPr/>
+          <a:lstStyle/>
+          <a:p>
+            <a:r>
+              <a:rPr lang="en-US" dirty="0"/>
+              <a:t>Assignment for Next Class</a:t>
+            </a:r>
+          </a:p>
+        </p:txBody>
+      </p:sp>
+      <p:sp>
+        <p:nvSpPr>
+          <p:cNvPr id="3" name="Content Placeholder 2">
+            <a:extLst>
+              <a:ext uri="{FF2B5EF4-FFF2-40B4-BE49-F238E27FC236}">
+                <a16:creationId xmlns:a16="http://schemas.microsoft.com/office/drawing/2014/main" id="{72EF5DE0-5958-4171-A9E3-3D288A31AC3F}"/>
+              </a:ext>
+            </a:extLst>
+          </p:cNvPr>
+          <p:cNvSpPr>
+            <a:spLocks noGrp="1"/>
+          </p:cNvSpPr>
+          <p:nvPr>
+            <p:ph idx="1"/>
+          </p:nvPr>
+        </p:nvSpPr>
+        <p:spPr>
+          <a:xfrm>
+            <a:off x="838200" y="1654444"/>
+            <a:ext cx="10515600" cy="4522519"/>
+          </a:xfrm>
+        </p:spPr>
+        <p:txBody>
+          <a:bodyPr>
+            <a:normAutofit/>
+          </a:bodyPr>
+          <a:lstStyle/>
+          <a:p>
+            <a:pPr marL="0" indent="0">
+              <a:buNone/>
+            </a:pPr>
+            <a:r>
+              <a:rPr lang="en-US" sz="2000" dirty="0"/>
+              <a:t>Complete all items on the sprint 1 Activities List with the possible exceptions of Programming Assignment 1 and Quiz 1. You should have a solid start on both of these items, but It is okay if you need to spend some time over the weekend to complete them.</a:t>
+            </a:r>
+          </a:p>
+          <a:p>
+            <a:pPr marL="0" indent="0">
+              <a:buNone/>
+            </a:pPr>
+            <a:endParaRPr lang="en-US" sz="2000" dirty="0"/>
+          </a:p>
+          <a:p>
+            <a:pPr marL="0" indent="0">
+              <a:buNone/>
+            </a:pPr>
+            <a:r>
+              <a:rPr lang="en-US" sz="2000" dirty="0"/>
+              <a:t>Be ready to Discuss OOP Patterns</a:t>
+            </a:r>
+          </a:p>
+          <a:p>
+            <a:pPr marL="0" indent="0">
+              <a:buNone/>
+            </a:pPr>
+            <a:endParaRPr lang="en-US" sz="2000" dirty="0"/>
+          </a:p>
+          <a:p>
+            <a:pPr marL="0" indent="0">
+              <a:buNone/>
+            </a:pPr>
+            <a:r>
+              <a:rPr lang="en-US" sz="2000" dirty="0"/>
+              <a:t>Take your name tags with you and bring them back to class through the end of Sprint 2</a:t>
+            </a:r>
+          </a:p>
+          <a:p>
+            <a:pPr marL="0" indent="0">
+              <a:buNone/>
+            </a:pPr>
+            <a:endParaRPr lang="en-US" sz="2000" dirty="0"/>
+          </a:p>
+          <a:p>
+            <a:pPr marL="0" indent="0">
+              <a:buNone/>
+            </a:pPr>
+            <a:endParaRPr lang="en-US" sz="1800" dirty="0"/>
+          </a:p>
+          <a:p>
+            <a:endParaRPr lang="en-US" dirty="0"/>
+          </a:p>
+        </p:txBody>
+      </p:sp>
+    </p:spTree>
+    <p:extLst>
+      <p:ext uri="{BB962C8B-B14F-4D97-AF65-F5344CB8AC3E}">
+        <p14:creationId xmlns:p14="http://schemas.microsoft.com/office/powerpoint/2010/main" val="3934992363"/>
+      </p:ext>
+    </p:extLst>
+  </p:cSld>
+  <p:clrMapOvr>
+    <a:masterClrMapping/>
+  </p:clrMapOvr>
+</p:sld>
+</file>
+
+<file path=ppt/slides/slide8.xml><?xml version="1.0" encoding="utf-8"?>
+<p:sld xmlns:a="http://schemas.openxmlformats.org/drawingml/2006/main" xmlns:r="http://schemas.openxmlformats.org/officeDocument/2006/relationships" xmlns:p="http://schemas.openxmlformats.org/presentationml/2006/main">
+  <p:cSld>
+    <p:spTree>
+      <p:nvGrpSpPr>
+        <p:cNvPr id="1" name=""/>
+        <p:cNvGrpSpPr/>
+        <p:nvPr/>
+      </p:nvGrpSpPr>
+      <p:grpSpPr>
+        <a:xfrm>
+          <a:off x="0" y="0"/>
+          <a:ext cx="0" cy="0"/>
+          <a:chOff x="0" y="0"/>
+          <a:chExt cx="0" cy="0"/>
+        </a:xfrm>
+      </p:grpSpPr>
+      <p:sp>
+        <p:nvSpPr>
+          <p:cNvPr id="2" name="Title 1"/>
+          <p:cNvSpPr>
+            <a:spLocks noGrp="1"/>
+          </p:cNvSpPr>
+          <p:nvPr>
             <p:ph type="title"/>
           </p:nvPr>
         </p:nvSpPr>
@@ -4806,7 +5223,7 @@
 </p:sld>
 </file>
 
-<file path=ppt/slides/slide6.xml><?xml version="1.0" encoding="utf-8"?>
+<file path=ppt/slides/slide9.xml><?xml version="1.0" encoding="utf-8"?>
 <p:sld xmlns:a="http://schemas.openxmlformats.org/drawingml/2006/main" xmlns:r="http://schemas.openxmlformats.org/officeDocument/2006/relationships" xmlns:p="http://schemas.openxmlformats.org/presentationml/2006/main">
   <p:cSld>
     <p:bg>

--- a/lecture-slides/2019-09-04.pptx
+++ b/lecture-slides/2019-09-04.pptx
@@ -205,7 +205,7 @@
           <a:p>
             <a:fld id="{A677DEB0-5AA4-49C7-B0AD-AD047A002C4C}" type="datetimeFigureOut">
               <a:rPr lang="en-US" smtClean="0"/>
-              <a:t>9/3/19</a:t>
+              <a:t>9/4/2019</a:t>
             </a:fld>
             <a:endParaRPr lang="en-US"/>
           </a:p>
@@ -1207,7 +1207,7 @@
           <a:p>
             <a:fld id="{1B52E0E1-344B-4E26-B5AD-CE86AB802485}" type="datetimeFigureOut">
               <a:rPr lang="en-US" smtClean="0"/>
-              <a:t>9/3/19</a:t>
+              <a:t>9/4/2019</a:t>
             </a:fld>
             <a:endParaRPr lang="en-US"/>
           </a:p>
@@ -1405,7 +1405,7 @@
           <a:p>
             <a:fld id="{1B52E0E1-344B-4E26-B5AD-CE86AB802485}" type="datetimeFigureOut">
               <a:rPr lang="en-US" smtClean="0"/>
-              <a:t>9/3/19</a:t>
+              <a:t>9/4/2019</a:t>
             </a:fld>
             <a:endParaRPr lang="en-US"/>
           </a:p>
@@ -1613,7 +1613,7 @@
           <a:p>
             <a:fld id="{1B52E0E1-344B-4E26-B5AD-CE86AB802485}" type="datetimeFigureOut">
               <a:rPr lang="en-US" smtClean="0"/>
-              <a:t>9/3/19</a:t>
+              <a:t>9/4/2019</a:t>
             </a:fld>
             <a:endParaRPr lang="en-US"/>
           </a:p>
@@ -1811,7 +1811,7 @@
           <a:p>
             <a:fld id="{1B52E0E1-344B-4E26-B5AD-CE86AB802485}" type="datetimeFigureOut">
               <a:rPr lang="en-US" smtClean="0"/>
-              <a:t>9/3/19</a:t>
+              <a:t>9/4/2019</a:t>
             </a:fld>
             <a:endParaRPr lang="en-US"/>
           </a:p>
@@ -2086,7 +2086,7 @@
           <a:p>
             <a:fld id="{1B52E0E1-344B-4E26-B5AD-CE86AB802485}" type="datetimeFigureOut">
               <a:rPr lang="en-US" smtClean="0"/>
-              <a:t>9/3/19</a:t>
+              <a:t>9/4/2019</a:t>
             </a:fld>
             <a:endParaRPr lang="en-US"/>
           </a:p>
@@ -2351,7 +2351,7 @@
           <a:p>
             <a:fld id="{1B52E0E1-344B-4E26-B5AD-CE86AB802485}" type="datetimeFigureOut">
               <a:rPr lang="en-US" smtClean="0"/>
-              <a:t>9/3/19</a:t>
+              <a:t>9/4/2019</a:t>
             </a:fld>
             <a:endParaRPr lang="en-US"/>
           </a:p>
@@ -2763,7 +2763,7 @@
           <a:p>
             <a:fld id="{1B52E0E1-344B-4E26-B5AD-CE86AB802485}" type="datetimeFigureOut">
               <a:rPr lang="en-US" smtClean="0"/>
-              <a:t>9/3/19</a:t>
+              <a:t>9/4/2019</a:t>
             </a:fld>
             <a:endParaRPr lang="en-US"/>
           </a:p>
@@ -2904,7 +2904,7 @@
           <a:p>
             <a:fld id="{1B52E0E1-344B-4E26-B5AD-CE86AB802485}" type="datetimeFigureOut">
               <a:rPr lang="en-US" smtClean="0"/>
-              <a:t>9/3/19</a:t>
+              <a:t>9/4/2019</a:t>
             </a:fld>
             <a:endParaRPr lang="en-US"/>
           </a:p>
@@ -3017,7 +3017,7 @@
           <a:p>
             <a:fld id="{1B52E0E1-344B-4E26-B5AD-CE86AB802485}" type="datetimeFigureOut">
               <a:rPr lang="en-US" smtClean="0"/>
-              <a:t>9/3/19</a:t>
+              <a:t>9/4/2019</a:t>
             </a:fld>
             <a:endParaRPr lang="en-US"/>
           </a:p>
@@ -3328,7 +3328,7 @@
           <a:p>
             <a:fld id="{1B52E0E1-344B-4E26-B5AD-CE86AB802485}" type="datetimeFigureOut">
               <a:rPr lang="en-US" smtClean="0"/>
-              <a:t>9/3/19</a:t>
+              <a:t>9/4/2019</a:t>
             </a:fld>
             <a:endParaRPr lang="en-US"/>
           </a:p>
@@ -3616,7 +3616,7 @@
           <a:p>
             <a:fld id="{1B52E0E1-344B-4E26-B5AD-CE86AB802485}" type="datetimeFigureOut">
               <a:rPr lang="en-US" smtClean="0"/>
-              <a:t>9/3/19</a:t>
+              <a:t>9/4/2019</a:t>
             </a:fld>
             <a:endParaRPr lang="en-US"/>
           </a:p>
@@ -3857,7 +3857,7 @@
           <a:p>
             <a:fld id="{1B52E0E1-344B-4E26-B5AD-CE86AB802485}" type="datetimeFigureOut">
               <a:rPr lang="en-US" smtClean="0"/>
-              <a:t>9/3/19</a:t>
+              <a:t>9/4/2019</a:t>
             </a:fld>
             <a:endParaRPr lang="en-US"/>
           </a:p>
@@ -4619,7 +4619,7 @@
             </a:pPr>
             <a:r>
               <a:rPr lang="en-US" sz="2000" dirty="0"/>
-              <a:t>Be completely comfortable with your ability to complete Activity List items 15 &amp; 16 this sprint</a:t>
+              <a:t>Be completely comfortable with your ability to complete Activity List items 15 &amp; 16</a:t>
             </a:r>
           </a:p>
           <a:p>
@@ -4982,7 +4982,7 @@
             </a:pPr>
             <a:r>
               <a:rPr lang="en-US" sz="2000" dirty="0"/>
-              <a:t>Complete all items on the sprint 1 Activities List with the possible exceptions of Programming Assignment 1 and Quiz 1. You should have a solid start on both of these items, but It is okay if you need to spend some time over the weekend to complete them.</a:t>
+              <a:t>Complete all items on the sprint 1 Activities List with the possible exceptions of Programming Assignment 1 and Quiz 1. You should have a solid start on both items, but It is okay if you need to spend some time over the weekend to complete them.</a:t>
             </a:r>
           </a:p>
           <a:p>
@@ -4997,7 +4997,7 @@
             </a:pPr>
             <a:r>
               <a:rPr lang="en-US" sz="2000" dirty="0"/>
-              <a:t>Be ready to Discuss OOP Patterns</a:t>
+              <a:t>Be ready to Discuss OOP Patterns and to present your team’s Pattern</a:t>
             </a:r>
           </a:p>
           <a:p>
@@ -5120,6 +5120,26 @@
             <a:r>
               <a:rPr lang="en-US" sz="2000" dirty="0"/>
               <a:t>As A Scrum Team:</a:t>
+            </a:r>
+          </a:p>
+          <a:p>
+            <a:pPr marL="457200" indent="-457200">
+              <a:buFont typeface="+mj-lt"/>
+              <a:buAutoNum type="arabicPeriod"/>
+            </a:pPr>
+            <a:r>
+              <a:rPr lang="en-US" sz="2000" dirty="0"/>
+              <a:t>Select a person (and a backup) who will briefly describe an OOP Pattern on Friday </a:t>
+            </a:r>
+          </a:p>
+          <a:p>
+            <a:pPr marL="457200" indent="-457200">
+              <a:buFont typeface="+mj-lt"/>
+              <a:buAutoNum type="arabicPeriod"/>
+            </a:pPr>
+            <a:r>
+              <a:rPr lang="en-US" sz="2000" dirty="0"/>
+              <a:t>Demonstrate Git &amp; GitHub</a:t>
             </a:r>
           </a:p>
           <a:p>
